--- a/MSSA Intro.pptx
+++ b/MSSA Intro.pptx
@@ -7973,8 +7973,13 @@
           <a:p>
             <a:r>
               <a:rPr lang="en-US" dirty="0"/>
-              <a:t>Install Visual Studio 2022</a:t>
-            </a:r>
+              <a:t>Install Visual Studio </a:t>
+            </a:r>
+            <a:r>
+              <a:rPr lang="en-US"/>
+              <a:t>2022 Community</a:t>
+            </a:r>
+            <a:endParaRPr lang="en-US" dirty="0"/>
           </a:p>
           <a:p>
             <a:pPr lvl="1"/>
